--- a/output/modernWorship/You-Never-Let-Go.pptx
+++ b/output/modernWorship/You-Never-Let-Go.pptx
@@ -819,7 +819,7 @@
           <a:lstStyle/>
           <a:p>
             <a:r>
-              <a:t>(Repeat Pre-Chorus &amp; Chorus)</a:t>
+              <a:t>Bridge</a:t>
             </a:r>
             <a:br/>
             <a:r>
@@ -3938,11 +3938,11 @@
               <a:defRPr sz="2500"/>
             </a:pPr>
             <a:r>
-              <a:t>Even though I walk through the valley </a:t>
-            </a:r>
-            <a:br/>
-            <a:r>
-              <a:t>of the shadow of death, </a:t>
+              <a:t>Even though I walk through the valley</a:t>
+            </a:r>
+            <a:br/>
+            <a:r>
+              <a:t>of the shadow of death,</a:t>
             </a:r>
             <a:br/>
             <a:r>
@@ -3950,7 +3950,7 @@
             </a:r>
             <a:br/>
             <a:r>
-              <a:t>And even when I'm caught in the middle </a:t>
+              <a:t>And even when I'm caught in the middle</a:t>
             </a:r>
             <a:br/>
             <a:r>
@@ -4176,7 +4176,7 @@
             </a:r>
             <a:br/>
             <a:r>
-              <a:t>Lord, You never let go of me </a:t>
+              <a:t>Lord, You never let go of me</a:t>
             </a:r>
             <a:br/>
           </a:p>
@@ -4267,7 +4267,7 @@
               <a:defRPr sz="2500"/>
             </a:pPr>
             <a:r>
-              <a:t>And I can see a light that is coming </a:t>
+              <a:t>And I can see a light that is coming</a:t>
             </a:r>
             <a:br/>
             <a:r>
@@ -4374,16 +4374,11 @@
           <a:lstStyle/>
           <a:p/>
           <a:p>
-            <a:br/>
             <a:pPr>
               <a:defRPr sz="2500"/>
             </a:pPr>
             <a:r>
-              <a:t>Bridge</a:t>
-            </a:r>
-            <a:br/>
-            <a:r>
-              <a:t>Yes, I can see a light that is coming </a:t>
+              <a:t>Yes, I can see a light that is coming</a:t>
             </a:r>
             <a:br/>
             <a:r>
@@ -4395,15 +4390,15 @@
             </a:r>
             <a:br/>
             <a:r>
-              <a:t>But until that day comes                          </a:t>
-            </a:r>
-            <a:br/>
-            <a:r>
-              <a:t> Still I will praise You</a:t>
-            </a:r>
-            <a:br/>
-            <a:r>
-              <a:t> Still I will praise You </a:t>
+              <a:t>But until that day comes</a:t>
+            </a:r>
+            <a:br/>
+            <a:r>
+              <a:t>Still I will praise You</a:t>
+            </a:r>
+            <a:br/>
+            <a:r>
+              <a:t>Still I will praise You</a:t>
             </a:r>
             <a:br/>
           </a:p>
@@ -4436,7 +4431,7 @@
               <a:defRPr sz="1200"/>
             </a:pPr>
             <a:r>
-              <a:t>(Repeat Pre-Chorus &amp; Chorus)</a:t>
+              <a:t>Bridge</a:t>
             </a:r>
             <a:br/>
             <a:r>
